--- a/Documentation/Thesis/Figures/Presentation1.pptx
+++ b/Documentation/Thesis/Figures/Presentation1.pptx
@@ -8,6 +8,9 @@
     <p:sldId id="256" r:id="rId2"/>
     <p:sldId id="257" r:id="rId3"/>
     <p:sldId id="258" r:id="rId4"/>
+    <p:sldId id="259" r:id="rId5"/>
+    <p:sldId id="260" r:id="rId6"/>
+    <p:sldId id="261" r:id="rId7"/>
   </p:sldIdLst>
   <p:sldSz cx="9144000" cy="6858000" type="screen4x3"/>
   <p:notesSz cx="6858000" cy="9144000"/>
@@ -290,7 +293,7 @@
           <a:p>
             <a:fld id="{0DEDC241-8BF1-1D40-B921-EFC399AD5563}" type="datetimeFigureOut">
               <a:rPr lang="en-US" smtClean="0"/>
-              <a:t>25.04.16</a:t>
+              <a:t>11.05.16</a:t>
             </a:fld>
             <a:endParaRPr lang="en-US"/>
           </a:p>
@@ -460,7 +463,7 @@
           <a:p>
             <a:fld id="{0DEDC241-8BF1-1D40-B921-EFC399AD5563}" type="datetimeFigureOut">
               <a:rPr lang="en-US" smtClean="0"/>
-              <a:t>25.04.16</a:t>
+              <a:t>11.05.16</a:t>
             </a:fld>
             <a:endParaRPr lang="en-US"/>
           </a:p>
@@ -640,7 +643,7 @@
           <a:p>
             <a:fld id="{0DEDC241-8BF1-1D40-B921-EFC399AD5563}" type="datetimeFigureOut">
               <a:rPr lang="en-US" smtClean="0"/>
-              <a:t>25.04.16</a:t>
+              <a:t>11.05.16</a:t>
             </a:fld>
             <a:endParaRPr lang="en-US"/>
           </a:p>
@@ -810,7 +813,7 @@
           <a:p>
             <a:fld id="{0DEDC241-8BF1-1D40-B921-EFC399AD5563}" type="datetimeFigureOut">
               <a:rPr lang="en-US" smtClean="0"/>
-              <a:t>25.04.16</a:t>
+              <a:t>11.05.16</a:t>
             </a:fld>
             <a:endParaRPr lang="en-US"/>
           </a:p>
@@ -1056,7 +1059,7 @@
           <a:p>
             <a:fld id="{0DEDC241-8BF1-1D40-B921-EFC399AD5563}" type="datetimeFigureOut">
               <a:rPr lang="en-US" smtClean="0"/>
-              <a:t>25.04.16</a:t>
+              <a:t>11.05.16</a:t>
             </a:fld>
             <a:endParaRPr lang="en-US"/>
           </a:p>
@@ -1344,7 +1347,7 @@
           <a:p>
             <a:fld id="{0DEDC241-8BF1-1D40-B921-EFC399AD5563}" type="datetimeFigureOut">
               <a:rPr lang="en-US" smtClean="0"/>
-              <a:t>25.04.16</a:t>
+              <a:t>11.05.16</a:t>
             </a:fld>
             <a:endParaRPr lang="en-US"/>
           </a:p>
@@ -1766,7 +1769,7 @@
           <a:p>
             <a:fld id="{0DEDC241-8BF1-1D40-B921-EFC399AD5563}" type="datetimeFigureOut">
               <a:rPr lang="en-US" smtClean="0"/>
-              <a:t>25.04.16</a:t>
+              <a:t>11.05.16</a:t>
             </a:fld>
             <a:endParaRPr lang="en-US"/>
           </a:p>
@@ -1884,7 +1887,7 @@
           <a:p>
             <a:fld id="{0DEDC241-8BF1-1D40-B921-EFC399AD5563}" type="datetimeFigureOut">
               <a:rPr lang="en-US" smtClean="0"/>
-              <a:t>25.04.16</a:t>
+              <a:t>11.05.16</a:t>
             </a:fld>
             <a:endParaRPr lang="en-US"/>
           </a:p>
@@ -1979,7 +1982,7 @@
           <a:p>
             <a:fld id="{0DEDC241-8BF1-1D40-B921-EFC399AD5563}" type="datetimeFigureOut">
               <a:rPr lang="en-US" smtClean="0"/>
-              <a:t>25.04.16</a:t>
+              <a:t>11.05.16</a:t>
             </a:fld>
             <a:endParaRPr lang="en-US"/>
           </a:p>
@@ -2256,7 +2259,7 @@
           <a:p>
             <a:fld id="{0DEDC241-8BF1-1D40-B921-EFC399AD5563}" type="datetimeFigureOut">
               <a:rPr lang="en-US" smtClean="0"/>
-              <a:t>25.04.16</a:t>
+              <a:t>11.05.16</a:t>
             </a:fld>
             <a:endParaRPr lang="en-US"/>
           </a:p>
@@ -2509,7 +2512,7 @@
           <a:p>
             <a:fld id="{0DEDC241-8BF1-1D40-B921-EFC399AD5563}" type="datetimeFigureOut">
               <a:rPr lang="en-US" smtClean="0"/>
-              <a:t>25.04.16</a:t>
+              <a:t>11.05.16</a:t>
             </a:fld>
             <a:endParaRPr lang="en-US"/>
           </a:p>
@@ -2722,7 +2725,7 @@
           <a:p>
             <a:fld id="{0DEDC241-8BF1-1D40-B921-EFC399AD5563}" type="datetimeFigureOut">
               <a:rPr lang="en-US" smtClean="0"/>
-              <a:t>25.04.16</a:t>
+              <a:t>11.05.16</a:t>
             </a:fld>
             <a:endParaRPr lang="en-US"/>
           </a:p>
@@ -4924,6 +4927,1669 @@
     <p:extLst>
       <p:ext uri="{BB962C8B-B14F-4D97-AF65-F5344CB8AC3E}">
         <p14:creationId xmlns:p14="http://schemas.microsoft.com/office/powerpoint/2010/main" val="80996181"/>
+      </p:ext>
+    </p:extLst>
+  </p:cSld>
+  <p:clrMapOvr>
+    <a:masterClrMapping/>
+  </p:clrMapOvr>
+</p:sld>
+</file>
+
+<file path=ppt/slides/slide4.xml><?xml version="1.0" encoding="utf-8"?>
+<p:sld xmlns:a="http://schemas.openxmlformats.org/drawingml/2006/main" xmlns:r="http://schemas.openxmlformats.org/officeDocument/2006/relationships" xmlns:p="http://schemas.openxmlformats.org/presentationml/2006/main">
+  <p:cSld>
+    <p:spTree>
+      <p:nvGrpSpPr>
+        <p:cNvPr id="1" name=""/>
+        <p:cNvGrpSpPr/>
+        <p:nvPr/>
+      </p:nvGrpSpPr>
+      <p:grpSpPr>
+        <a:xfrm>
+          <a:off x="0" y="0"/>
+          <a:ext cx="0" cy="0"/>
+          <a:chOff x="0" y="0"/>
+          <a:chExt cx="0" cy="0"/>
+        </a:xfrm>
+      </p:grpSpPr>
+      <p:sp>
+        <p:nvSpPr>
+          <p:cNvPr id="4" name="Rounded Rectangle 3"/>
+          <p:cNvSpPr/>
+          <p:nvPr/>
+        </p:nvSpPr>
+        <p:spPr>
+          <a:xfrm>
+            <a:off x="482600" y="470570"/>
+            <a:ext cx="3086100" cy="3161630"/>
+          </a:xfrm>
+          <a:prstGeom prst="roundRect">
+            <a:avLst/>
+          </a:prstGeom>
+        </p:spPr>
+        <p:style>
+          <a:lnRef idx="1">
+            <a:schemeClr val="accent2"/>
+          </a:lnRef>
+          <a:fillRef idx="2">
+            <a:schemeClr val="accent2"/>
+          </a:fillRef>
+          <a:effectRef idx="1">
+            <a:schemeClr val="accent2"/>
+          </a:effectRef>
+          <a:fontRef idx="minor">
+            <a:schemeClr val="dk1"/>
+          </a:fontRef>
+        </p:style>
+        <p:txBody>
+          <a:bodyPr rtlCol="0" anchor="ctr"/>
+          <a:lstStyle/>
+          <a:p>
+            <a:pPr algn="ctr"/>
+            <a:endParaRPr lang="en-US" dirty="0"/>
+          </a:p>
+        </p:txBody>
+      </p:sp>
+      <p:sp>
+        <p:nvSpPr>
+          <p:cNvPr id="5" name="Rectangle 4"/>
+          <p:cNvSpPr/>
+          <p:nvPr/>
+        </p:nvSpPr>
+        <p:spPr>
+          <a:xfrm>
+            <a:off x="1206500" y="1219200"/>
+            <a:ext cx="1663700" cy="1574800"/>
+          </a:xfrm>
+          <a:prstGeom prst="rect">
+            <a:avLst/>
+          </a:prstGeom>
+        </p:spPr>
+        <p:style>
+          <a:lnRef idx="1">
+            <a:schemeClr val="accent1"/>
+          </a:lnRef>
+          <a:fillRef idx="3">
+            <a:schemeClr val="accent1"/>
+          </a:fillRef>
+          <a:effectRef idx="2">
+            <a:schemeClr val="accent1"/>
+          </a:effectRef>
+          <a:fontRef idx="minor">
+            <a:schemeClr val="lt1"/>
+          </a:fontRef>
+        </p:style>
+        <p:txBody>
+          <a:bodyPr rtlCol="0" anchor="ctr"/>
+          <a:lstStyle/>
+          <a:p>
+            <a:pPr algn="ctr"/>
+            <a:r>
+              <a:rPr lang="en-US" dirty="0" smtClean="0"/>
+              <a:t>Weather Java Object</a:t>
+            </a:r>
+            <a:endParaRPr lang="en-US" dirty="0"/>
+          </a:p>
+        </p:txBody>
+      </p:sp>
+      <p:sp>
+        <p:nvSpPr>
+          <p:cNvPr id="6" name="TextBox 5"/>
+          <p:cNvSpPr txBox="1"/>
+          <p:nvPr/>
+        </p:nvSpPr>
+        <p:spPr>
+          <a:xfrm>
+            <a:off x="762000" y="655236"/>
+            <a:ext cx="2552700" cy="369332"/>
+          </a:xfrm>
+          <a:prstGeom prst="rect">
+            <a:avLst/>
+          </a:prstGeom>
+          <a:noFill/>
+        </p:spPr>
+        <p:txBody>
+          <a:bodyPr wrap="square" rtlCol="0">
+            <a:spAutoFit/>
+          </a:bodyPr>
+          <a:lstStyle/>
+          <a:p>
+            <a:pPr algn="ctr"/>
+            <a:r>
+              <a:rPr lang="en-US" dirty="0" smtClean="0"/>
+              <a:t>Consumer (JAVA)</a:t>
+            </a:r>
+            <a:endParaRPr lang="en-US" dirty="0"/>
+          </a:p>
+        </p:txBody>
+      </p:sp>
+      <p:sp>
+        <p:nvSpPr>
+          <p:cNvPr id="7" name="Rounded Rectangle 6"/>
+          <p:cNvSpPr/>
+          <p:nvPr/>
+        </p:nvSpPr>
+        <p:spPr>
+          <a:xfrm>
+            <a:off x="5626100" y="470570"/>
+            <a:ext cx="3086100" cy="3161630"/>
+          </a:xfrm>
+          <a:prstGeom prst="roundRect">
+            <a:avLst/>
+          </a:prstGeom>
+        </p:spPr>
+        <p:style>
+          <a:lnRef idx="1">
+            <a:schemeClr val="accent2"/>
+          </a:lnRef>
+          <a:fillRef idx="2">
+            <a:schemeClr val="accent2"/>
+          </a:fillRef>
+          <a:effectRef idx="1">
+            <a:schemeClr val="accent2"/>
+          </a:effectRef>
+          <a:fontRef idx="minor">
+            <a:schemeClr val="dk1"/>
+          </a:fontRef>
+        </p:style>
+        <p:txBody>
+          <a:bodyPr rtlCol="0" anchor="ctr"/>
+          <a:lstStyle/>
+          <a:p>
+            <a:pPr algn="ctr"/>
+            <a:endParaRPr lang="en-US" dirty="0"/>
+          </a:p>
+        </p:txBody>
+      </p:sp>
+      <p:sp>
+        <p:nvSpPr>
+          <p:cNvPr id="8" name="TextBox 7"/>
+          <p:cNvSpPr txBox="1"/>
+          <p:nvPr/>
+        </p:nvSpPr>
+        <p:spPr>
+          <a:xfrm>
+            <a:off x="5854700" y="807636"/>
+            <a:ext cx="2552700" cy="369332"/>
+          </a:xfrm>
+          <a:prstGeom prst="rect">
+            <a:avLst/>
+          </a:prstGeom>
+          <a:noFill/>
+        </p:spPr>
+        <p:txBody>
+          <a:bodyPr wrap="square" rtlCol="0">
+            <a:spAutoFit/>
+          </a:bodyPr>
+          <a:lstStyle/>
+          <a:p>
+            <a:pPr algn="ctr"/>
+            <a:r>
+              <a:rPr lang="en-US" dirty="0" smtClean="0"/>
+              <a:t>Producer (C#)</a:t>
+            </a:r>
+            <a:endParaRPr lang="en-US" dirty="0"/>
+          </a:p>
+        </p:txBody>
+      </p:sp>
+      <p:sp>
+        <p:nvSpPr>
+          <p:cNvPr id="9" name="Rectangle 8"/>
+          <p:cNvSpPr/>
+          <p:nvPr/>
+        </p:nvSpPr>
+        <p:spPr>
+          <a:xfrm>
+            <a:off x="6337300" y="1219200"/>
+            <a:ext cx="1663700" cy="1574800"/>
+          </a:xfrm>
+          <a:prstGeom prst="rect">
+            <a:avLst/>
+          </a:prstGeom>
+        </p:spPr>
+        <p:style>
+          <a:lnRef idx="1">
+            <a:schemeClr val="accent1"/>
+          </a:lnRef>
+          <a:fillRef idx="3">
+            <a:schemeClr val="accent1"/>
+          </a:fillRef>
+          <a:effectRef idx="2">
+            <a:schemeClr val="accent1"/>
+          </a:effectRef>
+          <a:fontRef idx="minor">
+            <a:schemeClr val="lt1"/>
+          </a:fontRef>
+        </p:style>
+        <p:txBody>
+          <a:bodyPr rtlCol="0" anchor="ctr"/>
+          <a:lstStyle/>
+          <a:p>
+            <a:pPr algn="ctr"/>
+            <a:r>
+              <a:rPr lang="en-US" dirty="0" smtClean="0"/>
+              <a:t>Weather C# Object</a:t>
+            </a:r>
+            <a:endParaRPr lang="en-US" dirty="0"/>
+          </a:p>
+        </p:txBody>
+      </p:sp>
+      <p:sp>
+        <p:nvSpPr>
+          <p:cNvPr id="16" name="Rectangle 15"/>
+          <p:cNvSpPr/>
+          <p:nvPr/>
+        </p:nvSpPr>
+        <p:spPr>
+          <a:xfrm>
+            <a:off x="3568700" y="4660900"/>
+            <a:ext cx="2286000" cy="1473200"/>
+          </a:xfrm>
+          <a:prstGeom prst="rect">
+            <a:avLst/>
+          </a:prstGeom>
+        </p:spPr>
+        <p:style>
+          <a:lnRef idx="1">
+            <a:schemeClr val="accent1"/>
+          </a:lnRef>
+          <a:fillRef idx="3">
+            <a:schemeClr val="accent1"/>
+          </a:fillRef>
+          <a:effectRef idx="2">
+            <a:schemeClr val="accent1"/>
+          </a:effectRef>
+          <a:fontRef idx="minor">
+            <a:schemeClr val="lt1"/>
+          </a:fontRef>
+        </p:style>
+        <p:txBody>
+          <a:bodyPr rtlCol="0" anchor="ctr"/>
+          <a:lstStyle/>
+          <a:p>
+            <a:pPr algn="ctr"/>
+            <a:r>
+              <a:rPr lang="en-US" dirty="0" smtClean="0"/>
+              <a:t>Weather XML Object</a:t>
+            </a:r>
+            <a:endParaRPr lang="en-US" dirty="0"/>
+          </a:p>
+        </p:txBody>
+      </p:sp>
+      <p:cxnSp>
+        <p:nvCxnSpPr>
+          <p:cNvPr id="18" name="Elbow Connector 17"/>
+          <p:cNvCxnSpPr>
+            <a:stCxn id="5" idx="2"/>
+            <a:endCxn id="16" idx="1"/>
+          </p:cNvCxnSpPr>
+          <p:nvPr/>
+        </p:nvCxnSpPr>
+        <p:spPr>
+          <a:xfrm rot="16200000" flipH="1">
+            <a:off x="1501775" y="3330575"/>
+            <a:ext cx="2603500" cy="1530350"/>
+          </a:xfrm>
+          <a:prstGeom prst="bentConnector2">
+            <a:avLst/>
+          </a:prstGeom>
+          <a:ln>
+            <a:tailEnd type="arrow"/>
+          </a:ln>
+        </p:spPr>
+        <p:style>
+          <a:lnRef idx="2">
+            <a:schemeClr val="accent1"/>
+          </a:lnRef>
+          <a:fillRef idx="0">
+            <a:schemeClr val="accent1"/>
+          </a:fillRef>
+          <a:effectRef idx="1">
+            <a:schemeClr val="accent1"/>
+          </a:effectRef>
+          <a:fontRef idx="minor">
+            <a:schemeClr val="tx1"/>
+          </a:fontRef>
+        </p:style>
+      </p:cxnSp>
+      <p:cxnSp>
+        <p:nvCxnSpPr>
+          <p:cNvPr id="20" name="Elbow Connector 19"/>
+          <p:cNvCxnSpPr>
+            <a:stCxn id="16" idx="3"/>
+            <a:endCxn id="9" idx="2"/>
+          </p:cNvCxnSpPr>
+          <p:nvPr/>
+        </p:nvCxnSpPr>
+        <p:spPr>
+          <a:xfrm flipV="1">
+            <a:off x="5854700" y="2794000"/>
+            <a:ext cx="1314450" cy="2603500"/>
+          </a:xfrm>
+          <a:prstGeom prst="bentConnector2">
+            <a:avLst/>
+          </a:prstGeom>
+          <a:ln>
+            <a:tailEnd type="arrow"/>
+          </a:ln>
+        </p:spPr>
+        <p:style>
+          <a:lnRef idx="2">
+            <a:schemeClr val="accent1"/>
+          </a:lnRef>
+          <a:fillRef idx="0">
+            <a:schemeClr val="accent1"/>
+          </a:fillRef>
+          <a:effectRef idx="1">
+            <a:schemeClr val="accent1"/>
+          </a:effectRef>
+          <a:fontRef idx="minor">
+            <a:schemeClr val="tx1"/>
+          </a:fontRef>
+        </p:style>
+      </p:cxnSp>
+      <p:cxnSp>
+        <p:nvCxnSpPr>
+          <p:cNvPr id="22" name="Elbow Connector 21"/>
+          <p:cNvCxnSpPr>
+            <a:endCxn id="16" idx="3"/>
+          </p:cNvCxnSpPr>
+          <p:nvPr/>
+        </p:nvCxnSpPr>
+        <p:spPr>
+          <a:xfrm rot="5400000">
+            <a:off x="5216525" y="3432175"/>
+            <a:ext cx="2603500" cy="1327150"/>
+          </a:xfrm>
+          <a:prstGeom prst="bentConnector2">
+            <a:avLst/>
+          </a:prstGeom>
+          <a:ln>
+            <a:tailEnd type="arrow"/>
+          </a:ln>
+        </p:spPr>
+        <p:style>
+          <a:lnRef idx="2">
+            <a:schemeClr val="accent1"/>
+          </a:lnRef>
+          <a:fillRef idx="0">
+            <a:schemeClr val="accent1"/>
+          </a:fillRef>
+          <a:effectRef idx="1">
+            <a:schemeClr val="accent1"/>
+          </a:effectRef>
+          <a:fontRef idx="minor">
+            <a:schemeClr val="tx1"/>
+          </a:fontRef>
+        </p:style>
+      </p:cxnSp>
+      <p:sp>
+        <p:nvSpPr>
+          <p:cNvPr id="46" name="TextBox 45"/>
+          <p:cNvSpPr txBox="1"/>
+          <p:nvPr/>
+        </p:nvSpPr>
+        <p:spPr>
+          <a:xfrm>
+            <a:off x="7387348" y="4014569"/>
+            <a:ext cx="1324852" cy="646331"/>
+          </a:xfrm>
+          <a:prstGeom prst="rect">
+            <a:avLst/>
+          </a:prstGeom>
+          <a:noFill/>
+        </p:spPr>
+        <p:txBody>
+          <a:bodyPr wrap="none" rtlCol="0">
+            <a:spAutoFit/>
+          </a:bodyPr>
+          <a:lstStyle/>
+          <a:p>
+            <a:r>
+              <a:rPr lang="en-US" dirty="0" err="1" smtClean="0"/>
+              <a:t>Databinding</a:t>
+            </a:r>
+            <a:endParaRPr lang="en-US" dirty="0" smtClean="0"/>
+          </a:p>
+          <a:p>
+            <a:r>
+              <a:rPr lang="en-US" dirty="0" smtClean="0"/>
+              <a:t>(SAX,DOM)</a:t>
+            </a:r>
+            <a:endParaRPr lang="en-US" dirty="0"/>
+          </a:p>
+        </p:txBody>
+      </p:sp>
+      <p:sp>
+        <p:nvSpPr>
+          <p:cNvPr id="47" name="TextBox 46"/>
+          <p:cNvSpPr txBox="1"/>
+          <p:nvPr/>
+        </p:nvSpPr>
+        <p:spPr>
+          <a:xfrm>
+            <a:off x="544074" y="4090769"/>
+            <a:ext cx="1324852" cy="646331"/>
+          </a:xfrm>
+          <a:prstGeom prst="rect">
+            <a:avLst/>
+          </a:prstGeom>
+          <a:noFill/>
+        </p:spPr>
+        <p:txBody>
+          <a:bodyPr wrap="none" rtlCol="0">
+            <a:spAutoFit/>
+          </a:bodyPr>
+          <a:lstStyle/>
+          <a:p>
+            <a:r>
+              <a:rPr lang="en-US" dirty="0" err="1" smtClean="0"/>
+              <a:t>Databinding</a:t>
+            </a:r>
+            <a:endParaRPr lang="en-US" dirty="0" smtClean="0"/>
+          </a:p>
+          <a:p>
+            <a:r>
+              <a:rPr lang="en-US" dirty="0" smtClean="0"/>
+              <a:t>(SAX,DOM)</a:t>
+            </a:r>
+            <a:endParaRPr lang="en-US" dirty="0"/>
+          </a:p>
+        </p:txBody>
+      </p:sp>
+    </p:spTree>
+    <p:extLst>
+      <p:ext uri="{BB962C8B-B14F-4D97-AF65-F5344CB8AC3E}">
+        <p14:creationId xmlns:p14="http://schemas.microsoft.com/office/powerpoint/2010/main" val="1954178157"/>
+      </p:ext>
+    </p:extLst>
+  </p:cSld>
+  <p:clrMapOvr>
+    <a:masterClrMapping/>
+  </p:clrMapOvr>
+  <p:timing>
+    <p:tnLst>
+      <p:par>
+        <p:cTn xmlns:p14="http://schemas.microsoft.com/office/powerpoint/2010/main" id="1" dur="indefinite" restart="never" nodeType="tmRoot"/>
+      </p:par>
+    </p:tnLst>
+  </p:timing>
+</p:sld>
+</file>
+
+<file path=ppt/slides/slide5.xml><?xml version="1.0" encoding="utf-8"?>
+<p:sld xmlns:a="http://schemas.openxmlformats.org/drawingml/2006/main" xmlns:r="http://schemas.openxmlformats.org/officeDocument/2006/relationships" xmlns:p="http://schemas.openxmlformats.org/presentationml/2006/main">
+  <p:cSld>
+    <p:spTree>
+      <p:nvGrpSpPr>
+        <p:cNvPr id="1" name=""/>
+        <p:cNvGrpSpPr/>
+        <p:nvPr/>
+      </p:nvGrpSpPr>
+      <p:grpSpPr>
+        <a:xfrm>
+          <a:off x="0" y="0"/>
+          <a:ext cx="0" cy="0"/>
+          <a:chOff x="0" y="0"/>
+          <a:chExt cx="0" cy="0"/>
+        </a:xfrm>
+      </p:grpSpPr>
+      <p:sp>
+        <p:nvSpPr>
+          <p:cNvPr id="4" name="Rounded Rectangle 3"/>
+          <p:cNvSpPr/>
+          <p:nvPr/>
+        </p:nvSpPr>
+        <p:spPr>
+          <a:xfrm>
+            <a:off x="425447" y="728991"/>
+            <a:ext cx="1913813" cy="2228952"/>
+          </a:xfrm>
+          <a:prstGeom prst="roundRect">
+            <a:avLst/>
+          </a:prstGeom>
+        </p:spPr>
+        <p:style>
+          <a:lnRef idx="1">
+            <a:schemeClr val="accent2"/>
+          </a:lnRef>
+          <a:fillRef idx="2">
+            <a:schemeClr val="accent2"/>
+          </a:fillRef>
+          <a:effectRef idx="1">
+            <a:schemeClr val="accent2"/>
+          </a:effectRef>
+          <a:fontRef idx="minor">
+            <a:schemeClr val="dk1"/>
+          </a:fontRef>
+        </p:style>
+        <p:txBody>
+          <a:bodyPr rtlCol="0" anchor="ctr"/>
+          <a:lstStyle/>
+          <a:p>
+            <a:pPr algn="ctr"/>
+            <a:endParaRPr lang="en-US" dirty="0"/>
+          </a:p>
+        </p:txBody>
+      </p:sp>
+      <p:sp>
+        <p:nvSpPr>
+          <p:cNvPr id="5" name="Rectangle 4"/>
+          <p:cNvSpPr/>
+          <p:nvPr/>
+        </p:nvSpPr>
+        <p:spPr>
+          <a:xfrm>
+            <a:off x="751906" y="1411754"/>
+            <a:ext cx="1233014" cy="1153839"/>
+          </a:xfrm>
+          <a:prstGeom prst="rect">
+            <a:avLst/>
+          </a:prstGeom>
+        </p:spPr>
+        <p:style>
+          <a:lnRef idx="1">
+            <a:schemeClr val="accent1"/>
+          </a:lnRef>
+          <a:fillRef idx="3">
+            <a:schemeClr val="accent1"/>
+          </a:fillRef>
+          <a:effectRef idx="2">
+            <a:schemeClr val="accent1"/>
+          </a:effectRef>
+          <a:fontRef idx="minor">
+            <a:schemeClr val="lt1"/>
+          </a:fontRef>
+        </p:style>
+        <p:txBody>
+          <a:bodyPr rtlCol="0" anchor="ctr"/>
+          <a:lstStyle/>
+          <a:p>
+            <a:pPr algn="ctr"/>
+            <a:r>
+              <a:rPr lang="en-US" dirty="0" smtClean="0"/>
+              <a:t>Weather Java Object</a:t>
+            </a:r>
+            <a:endParaRPr lang="en-US" dirty="0"/>
+          </a:p>
+        </p:txBody>
+      </p:sp>
+      <p:sp>
+        <p:nvSpPr>
+          <p:cNvPr id="6" name="TextBox 5"/>
+          <p:cNvSpPr txBox="1"/>
+          <p:nvPr/>
+        </p:nvSpPr>
+        <p:spPr>
+          <a:xfrm>
+            <a:off x="260347" y="285904"/>
+            <a:ext cx="2552700" cy="369332"/>
+          </a:xfrm>
+          <a:prstGeom prst="rect">
+            <a:avLst/>
+          </a:prstGeom>
+          <a:noFill/>
+        </p:spPr>
+        <p:txBody>
+          <a:bodyPr wrap="square" rtlCol="0">
+            <a:spAutoFit/>
+          </a:bodyPr>
+          <a:lstStyle/>
+          <a:p>
+            <a:pPr algn="ctr"/>
+            <a:r>
+              <a:rPr lang="en-US" dirty="0" smtClean="0"/>
+              <a:t>Consumer (JAVA)</a:t>
+            </a:r>
+            <a:endParaRPr lang="en-US" dirty="0"/>
+          </a:p>
+        </p:txBody>
+      </p:sp>
+      <p:sp>
+        <p:nvSpPr>
+          <p:cNvPr id="7" name="Rounded Rectangle 6"/>
+          <p:cNvSpPr/>
+          <p:nvPr/>
+        </p:nvSpPr>
+        <p:spPr>
+          <a:xfrm>
+            <a:off x="5129662" y="731637"/>
+            <a:ext cx="3582537" cy="3991412"/>
+          </a:xfrm>
+          <a:prstGeom prst="roundRect">
+            <a:avLst/>
+          </a:prstGeom>
+        </p:spPr>
+        <p:style>
+          <a:lnRef idx="1">
+            <a:schemeClr val="accent2"/>
+          </a:lnRef>
+          <a:fillRef idx="2">
+            <a:schemeClr val="accent2"/>
+          </a:fillRef>
+          <a:effectRef idx="1">
+            <a:schemeClr val="accent2"/>
+          </a:effectRef>
+          <a:fontRef idx="minor">
+            <a:schemeClr val="dk1"/>
+          </a:fontRef>
+        </p:style>
+        <p:txBody>
+          <a:bodyPr rtlCol="0" anchor="ctr"/>
+          <a:lstStyle/>
+          <a:p>
+            <a:pPr algn="ctr"/>
+            <a:endParaRPr lang="en-US" dirty="0"/>
+          </a:p>
+        </p:txBody>
+      </p:sp>
+      <p:sp>
+        <p:nvSpPr>
+          <p:cNvPr id="8" name="TextBox 7"/>
+          <p:cNvSpPr txBox="1"/>
+          <p:nvPr/>
+        </p:nvSpPr>
+        <p:spPr>
+          <a:xfrm>
+            <a:off x="5313462" y="285904"/>
+            <a:ext cx="2552700" cy="369332"/>
+          </a:xfrm>
+          <a:prstGeom prst="rect">
+            <a:avLst/>
+          </a:prstGeom>
+          <a:noFill/>
+        </p:spPr>
+        <p:txBody>
+          <a:bodyPr wrap="square" rtlCol="0">
+            <a:spAutoFit/>
+          </a:bodyPr>
+          <a:lstStyle/>
+          <a:p>
+            <a:pPr algn="ctr"/>
+            <a:r>
+              <a:rPr lang="en-US" dirty="0" smtClean="0"/>
+              <a:t>Producer (C#)</a:t>
+            </a:r>
+            <a:endParaRPr lang="en-US" dirty="0"/>
+          </a:p>
+        </p:txBody>
+      </p:sp>
+      <p:sp>
+        <p:nvSpPr>
+          <p:cNvPr id="9" name="Rectangle 8"/>
+          <p:cNvSpPr/>
+          <p:nvPr/>
+        </p:nvSpPr>
+        <p:spPr>
+          <a:xfrm>
+            <a:off x="5483957" y="1426272"/>
+            <a:ext cx="2873947" cy="1893533"/>
+          </a:xfrm>
+          <a:prstGeom prst="rect">
+            <a:avLst/>
+          </a:prstGeom>
+        </p:spPr>
+        <p:style>
+          <a:lnRef idx="1">
+            <a:schemeClr val="accent1"/>
+          </a:lnRef>
+          <a:fillRef idx="3">
+            <a:schemeClr val="accent1"/>
+          </a:fillRef>
+          <a:effectRef idx="2">
+            <a:schemeClr val="accent1"/>
+          </a:effectRef>
+          <a:fontRef idx="minor">
+            <a:schemeClr val="lt1"/>
+          </a:fontRef>
+        </p:style>
+        <p:txBody>
+          <a:bodyPr rtlCol="0" anchor="ctr"/>
+          <a:lstStyle/>
+          <a:p>
+            <a:r>
+              <a:rPr lang="en-US" sz="1600" dirty="0" err="1" smtClean="0"/>
+              <a:t>MethodA</a:t>
+            </a:r>
+            <a:r>
+              <a:rPr lang="en-US" sz="1600" dirty="0" smtClean="0"/>
+              <a:t>(Weather C# object)</a:t>
+            </a:r>
+          </a:p>
+          <a:p>
+            <a:r>
+              <a:rPr lang="en-US" sz="1600" dirty="0" err="1" smtClean="0"/>
+              <a:t>MethodB</a:t>
+            </a:r>
+            <a:r>
+              <a:rPr lang="en-US" sz="1600" dirty="0" smtClean="0"/>
+              <a:t>(X C# object)</a:t>
+            </a:r>
+          </a:p>
+          <a:p>
+            <a:r>
+              <a:rPr lang="en-US" sz="1600" dirty="0" err="1" smtClean="0"/>
+              <a:t>MethodC</a:t>
+            </a:r>
+            <a:r>
+              <a:rPr lang="en-US" sz="1600" dirty="0" smtClean="0"/>
+              <a:t>(Y C# object )</a:t>
+            </a:r>
+          </a:p>
+          <a:p>
+            <a:r>
+              <a:rPr lang="en-US" sz="1600" dirty="0" err="1" smtClean="0"/>
+              <a:t>MethodD</a:t>
+            </a:r>
+            <a:r>
+              <a:rPr lang="en-US" sz="1600" dirty="0" smtClean="0"/>
+              <a:t>(Z  C# Object)</a:t>
+            </a:r>
+          </a:p>
+          <a:p>
+            <a:r>
+              <a:rPr lang="is-IS" sz="1600" dirty="0" smtClean="0"/>
+              <a:t>…</a:t>
+            </a:r>
+            <a:endParaRPr lang="en-US" sz="1600" dirty="0"/>
+          </a:p>
+        </p:txBody>
+      </p:sp>
+      <p:sp>
+        <p:nvSpPr>
+          <p:cNvPr id="10" name="Rectangle 9"/>
+          <p:cNvSpPr/>
+          <p:nvPr/>
+        </p:nvSpPr>
+        <p:spPr>
+          <a:xfrm>
+            <a:off x="1152922" y="3577685"/>
+            <a:ext cx="2740276" cy="1145364"/>
+          </a:xfrm>
+          <a:prstGeom prst="rect">
+            <a:avLst/>
+          </a:prstGeom>
+        </p:spPr>
+        <p:style>
+          <a:lnRef idx="1">
+            <a:schemeClr val="accent1"/>
+          </a:lnRef>
+          <a:fillRef idx="3">
+            <a:schemeClr val="accent1"/>
+          </a:fillRef>
+          <a:effectRef idx="2">
+            <a:schemeClr val="accent1"/>
+          </a:effectRef>
+          <a:fontRef idx="minor">
+            <a:schemeClr val="lt1"/>
+          </a:fontRef>
+        </p:style>
+        <p:txBody>
+          <a:bodyPr rtlCol="0" anchor="ctr"/>
+          <a:lstStyle/>
+          <a:p>
+            <a:pPr algn="ctr"/>
+            <a:r>
+              <a:rPr lang="en-US" dirty="0" smtClean="0"/>
+              <a:t>Query message</a:t>
+            </a:r>
+          </a:p>
+          <a:p>
+            <a:pPr algn="ctr"/>
+            <a:r>
+              <a:rPr lang="en-US" dirty="0" smtClean="0"/>
+              <a:t> (Weather object in Binary)</a:t>
+            </a:r>
+            <a:endParaRPr lang="en-US" dirty="0"/>
+          </a:p>
+        </p:txBody>
+      </p:sp>
+      <p:sp>
+        <p:nvSpPr>
+          <p:cNvPr id="20" name="TextBox 19"/>
+          <p:cNvSpPr txBox="1"/>
+          <p:nvPr/>
+        </p:nvSpPr>
+        <p:spPr>
+          <a:xfrm>
+            <a:off x="5483957" y="1056940"/>
+            <a:ext cx="1152921" cy="369332"/>
+          </a:xfrm>
+          <a:prstGeom prst="rect">
+            <a:avLst/>
+          </a:prstGeom>
+          <a:noFill/>
+        </p:spPr>
+        <p:txBody>
+          <a:bodyPr wrap="square" rtlCol="0">
+            <a:spAutoFit/>
+          </a:bodyPr>
+          <a:lstStyle/>
+          <a:p>
+            <a:r>
+              <a:rPr lang="en-US" dirty="0" smtClean="0"/>
+              <a:t>Receiver</a:t>
+            </a:r>
+            <a:endParaRPr lang="en-US" dirty="0"/>
+          </a:p>
+        </p:txBody>
+      </p:sp>
+      <p:sp>
+        <p:nvSpPr>
+          <p:cNvPr id="21" name="Rectangle 20"/>
+          <p:cNvSpPr/>
+          <p:nvPr/>
+        </p:nvSpPr>
+        <p:spPr>
+          <a:xfrm>
+            <a:off x="6984362" y="3676540"/>
+            <a:ext cx="1203047" cy="618327"/>
+          </a:xfrm>
+          <a:prstGeom prst="rect">
+            <a:avLst/>
+          </a:prstGeom>
+        </p:spPr>
+        <p:style>
+          <a:lnRef idx="1">
+            <a:schemeClr val="accent1"/>
+          </a:lnRef>
+          <a:fillRef idx="3">
+            <a:schemeClr val="accent1"/>
+          </a:fillRef>
+          <a:effectRef idx="2">
+            <a:schemeClr val="accent1"/>
+          </a:effectRef>
+          <a:fontRef idx="minor">
+            <a:schemeClr val="lt1"/>
+          </a:fontRef>
+        </p:style>
+        <p:txBody>
+          <a:bodyPr rtlCol="0" anchor="ctr"/>
+          <a:lstStyle/>
+          <a:p>
+            <a:pPr algn="ctr"/>
+            <a:r>
+              <a:rPr lang="en-US" dirty="0" smtClean="0"/>
+              <a:t>DOM</a:t>
+            </a:r>
+            <a:endParaRPr lang="en-US" dirty="0"/>
+          </a:p>
+        </p:txBody>
+      </p:sp>
+      <p:cxnSp>
+        <p:nvCxnSpPr>
+          <p:cNvPr id="25" name="Straight Arrow Connector 24"/>
+          <p:cNvCxnSpPr/>
+          <p:nvPr/>
+        </p:nvCxnSpPr>
+        <p:spPr>
+          <a:xfrm flipH="1">
+            <a:off x="7418796" y="1988674"/>
+            <a:ext cx="217217" cy="1888404"/>
+          </a:xfrm>
+          <a:prstGeom prst="straightConnector1">
+            <a:avLst/>
+          </a:prstGeom>
+          <a:ln>
+            <a:tailEnd type="arrow"/>
+          </a:ln>
+        </p:spPr>
+        <p:style>
+          <a:lnRef idx="2">
+            <a:schemeClr val="accent1"/>
+          </a:lnRef>
+          <a:fillRef idx="0">
+            <a:schemeClr val="accent1"/>
+          </a:fillRef>
+          <a:effectRef idx="1">
+            <a:schemeClr val="accent1"/>
+          </a:effectRef>
+          <a:fontRef idx="minor">
+            <a:schemeClr val="tx1"/>
+          </a:fontRef>
+        </p:style>
+      </p:cxnSp>
+      <p:cxnSp>
+        <p:nvCxnSpPr>
+          <p:cNvPr id="52" name="Straight Arrow Connector 51"/>
+          <p:cNvCxnSpPr/>
+          <p:nvPr/>
+        </p:nvCxnSpPr>
+        <p:spPr>
+          <a:xfrm flipH="1">
+            <a:off x="2122044" y="1988674"/>
+            <a:ext cx="3361913" cy="0"/>
+          </a:xfrm>
+          <a:prstGeom prst="straightConnector1">
+            <a:avLst/>
+          </a:prstGeom>
+          <a:ln>
+            <a:tailEnd type="arrow"/>
+          </a:ln>
+        </p:spPr>
+        <p:style>
+          <a:lnRef idx="2">
+            <a:schemeClr val="accent1"/>
+          </a:lnRef>
+          <a:fillRef idx="0">
+            <a:schemeClr val="accent1"/>
+          </a:fillRef>
+          <a:effectRef idx="1">
+            <a:schemeClr val="accent1"/>
+          </a:effectRef>
+          <a:fontRef idx="minor">
+            <a:schemeClr val="tx1"/>
+          </a:fontRef>
+        </p:style>
+      </p:cxnSp>
+      <p:sp>
+        <p:nvSpPr>
+          <p:cNvPr id="46" name="Rounded Rectangle 45"/>
+          <p:cNvSpPr/>
+          <p:nvPr/>
+        </p:nvSpPr>
+        <p:spPr>
+          <a:xfrm>
+            <a:off x="2813047" y="1411754"/>
+            <a:ext cx="1921535" cy="1057346"/>
+          </a:xfrm>
+          <a:prstGeom prst="roundRect">
+            <a:avLst/>
+          </a:prstGeom>
+        </p:spPr>
+        <p:style>
+          <a:lnRef idx="1">
+            <a:schemeClr val="accent1"/>
+          </a:lnRef>
+          <a:fillRef idx="3">
+            <a:schemeClr val="accent1"/>
+          </a:fillRef>
+          <a:effectRef idx="2">
+            <a:schemeClr val="accent1"/>
+          </a:effectRef>
+          <a:fontRef idx="minor">
+            <a:schemeClr val="lt1"/>
+          </a:fontRef>
+        </p:style>
+        <p:txBody>
+          <a:bodyPr rtlCol="0" anchor="ctr"/>
+          <a:lstStyle/>
+          <a:p>
+            <a:pPr algn="ctr"/>
+            <a:r>
+              <a:rPr lang="en-US" dirty="0" smtClean="0"/>
+              <a:t>Response message</a:t>
+            </a:r>
+          </a:p>
+          <a:p>
+            <a:pPr algn="ctr"/>
+            <a:r>
+              <a:rPr lang="en-US" dirty="0" smtClean="0"/>
+              <a:t>(in Binary)</a:t>
+            </a:r>
+            <a:endParaRPr lang="en-US" dirty="0"/>
+          </a:p>
+        </p:txBody>
+      </p:sp>
+      <p:cxnSp>
+        <p:nvCxnSpPr>
+          <p:cNvPr id="55" name="Elbow Connector 54"/>
+          <p:cNvCxnSpPr>
+            <a:stCxn id="4" idx="2"/>
+            <a:endCxn id="10" idx="1"/>
+          </p:cNvCxnSpPr>
+          <p:nvPr/>
+        </p:nvCxnSpPr>
+        <p:spPr>
+          <a:xfrm rot="5400000">
+            <a:off x="671426" y="3439439"/>
+            <a:ext cx="1192424" cy="229432"/>
+          </a:xfrm>
+          <a:prstGeom prst="bentConnector4">
+            <a:avLst>
+              <a:gd name="adj1" fmla="val 25987"/>
+              <a:gd name="adj2" fmla="val 199637"/>
+            </a:avLst>
+          </a:prstGeom>
+          <a:ln>
+            <a:tailEnd type="arrow"/>
+          </a:ln>
+        </p:spPr>
+        <p:style>
+          <a:lnRef idx="2">
+            <a:schemeClr val="accent1"/>
+          </a:lnRef>
+          <a:fillRef idx="0">
+            <a:schemeClr val="accent1"/>
+          </a:fillRef>
+          <a:effectRef idx="1">
+            <a:schemeClr val="accent1"/>
+          </a:effectRef>
+          <a:fontRef idx="minor">
+            <a:schemeClr val="tx1"/>
+          </a:fontRef>
+        </p:style>
+      </p:cxnSp>
+      <p:cxnSp>
+        <p:nvCxnSpPr>
+          <p:cNvPr id="57" name="Straight Arrow Connector 56"/>
+          <p:cNvCxnSpPr>
+            <a:stCxn id="10" idx="3"/>
+          </p:cNvCxnSpPr>
+          <p:nvPr/>
+        </p:nvCxnSpPr>
+        <p:spPr>
+          <a:xfrm>
+            <a:off x="3893198" y="4150367"/>
+            <a:ext cx="3091164" cy="0"/>
+          </a:xfrm>
+          <a:prstGeom prst="straightConnector1">
+            <a:avLst/>
+          </a:prstGeom>
+          <a:ln>
+            <a:tailEnd type="arrow"/>
+          </a:ln>
+        </p:spPr>
+        <p:style>
+          <a:lnRef idx="2">
+            <a:schemeClr val="accent1"/>
+          </a:lnRef>
+          <a:fillRef idx="0">
+            <a:schemeClr val="accent1"/>
+          </a:fillRef>
+          <a:effectRef idx="1">
+            <a:schemeClr val="accent1"/>
+          </a:effectRef>
+          <a:fontRef idx="minor">
+            <a:schemeClr val="tx1"/>
+          </a:fontRef>
+        </p:style>
+      </p:cxnSp>
+    </p:spTree>
+    <p:extLst>
+      <p:ext uri="{BB962C8B-B14F-4D97-AF65-F5344CB8AC3E}">
+        <p14:creationId xmlns:p14="http://schemas.microsoft.com/office/powerpoint/2010/main" val="1817395521"/>
+      </p:ext>
+    </p:extLst>
+  </p:cSld>
+  <p:clrMapOvr>
+    <a:masterClrMapping/>
+  </p:clrMapOvr>
+</p:sld>
+</file>
+
+<file path=ppt/slides/slide6.xml><?xml version="1.0" encoding="utf-8"?>
+<p:sld xmlns:a="http://schemas.openxmlformats.org/drawingml/2006/main" xmlns:r="http://schemas.openxmlformats.org/officeDocument/2006/relationships" xmlns:p="http://schemas.openxmlformats.org/presentationml/2006/main">
+  <p:cSld>
+    <p:spTree>
+      <p:nvGrpSpPr>
+        <p:cNvPr id="1" name=""/>
+        <p:cNvGrpSpPr/>
+        <p:nvPr/>
+      </p:nvGrpSpPr>
+      <p:grpSpPr>
+        <a:xfrm>
+          <a:off x="0" y="0"/>
+          <a:ext cx="0" cy="0"/>
+          <a:chOff x="0" y="0"/>
+          <a:chExt cx="0" cy="0"/>
+        </a:xfrm>
+      </p:grpSpPr>
+      <p:sp>
+        <p:nvSpPr>
+          <p:cNvPr id="4" name="TextBox 3"/>
+          <p:cNvSpPr txBox="1"/>
+          <p:nvPr/>
+        </p:nvSpPr>
+        <p:spPr>
+          <a:xfrm>
+            <a:off x="451143" y="935847"/>
+            <a:ext cx="1208083" cy="646331"/>
+          </a:xfrm>
+          <a:prstGeom prst="rect">
+            <a:avLst/>
+          </a:prstGeom>
+          <a:noFill/>
+        </p:spPr>
+        <p:txBody>
+          <a:bodyPr wrap="none" rtlCol="0">
+            <a:spAutoFit/>
+          </a:bodyPr>
+          <a:lstStyle/>
+          <a:p>
+            <a:r>
+              <a:rPr lang="en-US" sz="3600" u="sng" dirty="0" smtClean="0"/>
+              <a:t>SOAP</a:t>
+            </a:r>
+            <a:endParaRPr lang="en-US" u="sng" dirty="0"/>
+          </a:p>
+        </p:txBody>
+      </p:sp>
+      <p:sp>
+        <p:nvSpPr>
+          <p:cNvPr id="5" name="TextBox 4"/>
+          <p:cNvSpPr txBox="1"/>
+          <p:nvPr/>
+        </p:nvSpPr>
+        <p:spPr>
+          <a:xfrm>
+            <a:off x="451143" y="3773158"/>
+            <a:ext cx="1097852" cy="646331"/>
+          </a:xfrm>
+          <a:prstGeom prst="rect">
+            <a:avLst/>
+          </a:prstGeom>
+          <a:noFill/>
+        </p:spPr>
+        <p:txBody>
+          <a:bodyPr wrap="none" rtlCol="0">
+            <a:spAutoFit/>
+          </a:bodyPr>
+          <a:lstStyle/>
+          <a:p>
+            <a:r>
+              <a:rPr lang="en-US" sz="3600" u="sng" dirty="0" smtClean="0"/>
+              <a:t>REST</a:t>
+            </a:r>
+            <a:endParaRPr lang="en-US" u="sng" dirty="0"/>
+          </a:p>
+        </p:txBody>
+      </p:sp>
+      <p:sp>
+        <p:nvSpPr>
+          <p:cNvPr id="6" name="Rectangle 5"/>
+          <p:cNvSpPr/>
+          <p:nvPr/>
+        </p:nvSpPr>
+        <p:spPr>
+          <a:xfrm>
+            <a:off x="451143" y="1788135"/>
+            <a:ext cx="1604064" cy="1403770"/>
+          </a:xfrm>
+          <a:prstGeom prst="rect">
+            <a:avLst/>
+          </a:prstGeom>
+        </p:spPr>
+        <p:style>
+          <a:lnRef idx="1">
+            <a:schemeClr val="accent1"/>
+          </a:lnRef>
+          <a:fillRef idx="3">
+            <a:schemeClr val="accent1"/>
+          </a:fillRef>
+          <a:effectRef idx="2">
+            <a:schemeClr val="accent1"/>
+          </a:effectRef>
+          <a:fontRef idx="minor">
+            <a:schemeClr val="lt1"/>
+          </a:fontRef>
+        </p:style>
+        <p:txBody>
+          <a:bodyPr rtlCol="0" anchor="ctr"/>
+          <a:lstStyle/>
+          <a:p>
+            <a:pPr algn="ctr"/>
+            <a:r>
+              <a:rPr lang="en-US" dirty="0" smtClean="0"/>
+              <a:t>Client</a:t>
+            </a:r>
+            <a:endParaRPr lang="en-US" dirty="0"/>
+          </a:p>
+        </p:txBody>
+      </p:sp>
+      <p:sp>
+        <p:nvSpPr>
+          <p:cNvPr id="7" name="Rectangle 6"/>
+          <p:cNvSpPr/>
+          <p:nvPr/>
+        </p:nvSpPr>
+        <p:spPr>
+          <a:xfrm>
+            <a:off x="451143" y="4748075"/>
+            <a:ext cx="1604064" cy="1403770"/>
+          </a:xfrm>
+          <a:prstGeom prst="rect">
+            <a:avLst/>
+          </a:prstGeom>
+        </p:spPr>
+        <p:style>
+          <a:lnRef idx="1">
+            <a:schemeClr val="accent1"/>
+          </a:lnRef>
+          <a:fillRef idx="3">
+            <a:schemeClr val="accent1"/>
+          </a:fillRef>
+          <a:effectRef idx="2">
+            <a:schemeClr val="accent1"/>
+          </a:effectRef>
+          <a:fontRef idx="minor">
+            <a:schemeClr val="lt1"/>
+          </a:fontRef>
+        </p:style>
+        <p:txBody>
+          <a:bodyPr rtlCol="0" anchor="ctr"/>
+          <a:lstStyle/>
+          <a:p>
+            <a:pPr algn="ctr"/>
+            <a:r>
+              <a:rPr lang="en-US" dirty="0" smtClean="0"/>
+              <a:t>Client</a:t>
+            </a:r>
+            <a:endParaRPr lang="en-US" dirty="0"/>
+          </a:p>
+        </p:txBody>
+      </p:sp>
+      <p:sp>
+        <p:nvSpPr>
+          <p:cNvPr id="8" name="Oval 7"/>
+          <p:cNvSpPr/>
+          <p:nvPr/>
+        </p:nvSpPr>
+        <p:spPr>
+          <a:xfrm>
+            <a:off x="2289133" y="2088943"/>
+            <a:ext cx="985831" cy="651750"/>
+          </a:xfrm>
+          <a:prstGeom prst="ellipse">
+            <a:avLst/>
+          </a:prstGeom>
+        </p:spPr>
+        <p:style>
+          <a:lnRef idx="1">
+            <a:schemeClr val="accent1"/>
+          </a:lnRef>
+          <a:fillRef idx="3">
+            <a:schemeClr val="accent1"/>
+          </a:fillRef>
+          <a:effectRef idx="2">
+            <a:schemeClr val="accent1"/>
+          </a:effectRef>
+          <a:fontRef idx="minor">
+            <a:schemeClr val="lt1"/>
+          </a:fontRef>
+        </p:style>
+        <p:txBody>
+          <a:bodyPr rtlCol="0" anchor="ctr"/>
+          <a:lstStyle/>
+          <a:p>
+            <a:pPr algn="ctr"/>
+            <a:r>
+              <a:rPr lang="en-US" dirty="0" smtClean="0"/>
+              <a:t>Data</a:t>
+            </a:r>
+            <a:endParaRPr lang="en-US" dirty="0"/>
+          </a:p>
+        </p:txBody>
+      </p:sp>
+      <p:sp>
+        <p:nvSpPr>
+          <p:cNvPr id="11" name="Oval 10"/>
+          <p:cNvSpPr/>
+          <p:nvPr/>
+        </p:nvSpPr>
+        <p:spPr>
+          <a:xfrm>
+            <a:off x="3761544" y="2088943"/>
+            <a:ext cx="1201029" cy="651750"/>
+          </a:xfrm>
+          <a:prstGeom prst="ellipse">
+            <a:avLst/>
+          </a:prstGeom>
+        </p:spPr>
+        <p:style>
+          <a:lnRef idx="1">
+            <a:schemeClr val="accent1"/>
+          </a:lnRef>
+          <a:fillRef idx="3">
+            <a:schemeClr val="accent1"/>
+          </a:fillRef>
+          <a:effectRef idx="2">
+            <a:schemeClr val="accent1"/>
+          </a:effectRef>
+          <a:fontRef idx="minor">
+            <a:schemeClr val="lt1"/>
+          </a:fontRef>
+        </p:style>
+        <p:txBody>
+          <a:bodyPr rtlCol="0" anchor="ctr"/>
+          <a:lstStyle/>
+          <a:p>
+            <a:pPr algn="ctr"/>
+            <a:r>
+              <a:rPr lang="en-US" sz="1200" dirty="0" smtClean="0"/>
+              <a:t>SOAP Standard</a:t>
+            </a:r>
+            <a:endParaRPr lang="en-US" sz="1200" dirty="0"/>
+          </a:p>
+        </p:txBody>
+      </p:sp>
+      <p:sp>
+        <p:nvSpPr>
+          <p:cNvPr id="12" name="TextBox 11"/>
+          <p:cNvSpPr txBox="1"/>
+          <p:nvPr/>
+        </p:nvSpPr>
+        <p:spPr>
+          <a:xfrm>
+            <a:off x="3274964" y="2094362"/>
+            <a:ext cx="414597" cy="646331"/>
+          </a:xfrm>
+          <a:prstGeom prst="rect">
+            <a:avLst/>
+          </a:prstGeom>
+          <a:noFill/>
+        </p:spPr>
+        <p:txBody>
+          <a:bodyPr wrap="none" rtlCol="0">
+            <a:spAutoFit/>
+          </a:bodyPr>
+          <a:lstStyle/>
+          <a:p>
+            <a:r>
+              <a:rPr lang="en-US" sz="3600" dirty="0"/>
+              <a:t>+</a:t>
+            </a:r>
+            <a:endParaRPr lang="en-US" dirty="0"/>
+          </a:p>
+        </p:txBody>
+      </p:sp>
+      <p:sp>
+        <p:nvSpPr>
+          <p:cNvPr id="13" name="TextBox 12"/>
+          <p:cNvSpPr txBox="1"/>
+          <p:nvPr/>
+        </p:nvSpPr>
+        <p:spPr>
+          <a:xfrm>
+            <a:off x="5062827" y="2094362"/>
+            <a:ext cx="414597" cy="646331"/>
+          </a:xfrm>
+          <a:prstGeom prst="rect">
+            <a:avLst/>
+          </a:prstGeom>
+          <a:noFill/>
+        </p:spPr>
+        <p:txBody>
+          <a:bodyPr wrap="none" rtlCol="0">
+            <a:spAutoFit/>
+          </a:bodyPr>
+          <a:lstStyle/>
+          <a:p>
+            <a:r>
+              <a:rPr lang="en-US" sz="3600" dirty="0" smtClean="0"/>
+              <a:t>=</a:t>
+            </a:r>
+            <a:endParaRPr lang="en-US" dirty="0"/>
+          </a:p>
+        </p:txBody>
+      </p:sp>
+      <p:sp>
+        <p:nvSpPr>
+          <p:cNvPr id="14" name="Rectangle 13"/>
+          <p:cNvSpPr/>
+          <p:nvPr/>
+        </p:nvSpPr>
+        <p:spPr>
+          <a:xfrm>
+            <a:off x="7541457" y="1788135"/>
+            <a:ext cx="1414567" cy="1270078"/>
+          </a:xfrm>
+          <a:prstGeom prst="rect">
+            <a:avLst/>
+          </a:prstGeom>
+        </p:spPr>
+        <p:style>
+          <a:lnRef idx="1">
+            <a:schemeClr val="accent1"/>
+          </a:lnRef>
+          <a:fillRef idx="3">
+            <a:schemeClr val="accent1"/>
+          </a:fillRef>
+          <a:effectRef idx="2">
+            <a:schemeClr val="accent1"/>
+          </a:effectRef>
+          <a:fontRef idx="minor">
+            <a:schemeClr val="lt1"/>
+          </a:fontRef>
+        </p:style>
+        <p:txBody>
+          <a:bodyPr rtlCol="0" anchor="ctr"/>
+          <a:lstStyle/>
+          <a:p>
+            <a:pPr algn="ctr"/>
+            <a:r>
+              <a:rPr lang="en-US" dirty="0" smtClean="0"/>
+              <a:t>Server</a:t>
+            </a:r>
+            <a:endParaRPr lang="en-US" dirty="0"/>
+          </a:p>
+        </p:txBody>
+      </p:sp>
+      <p:sp>
+        <p:nvSpPr>
+          <p:cNvPr id="15" name="Rounded Rectangle 14"/>
+          <p:cNvSpPr/>
+          <p:nvPr/>
+        </p:nvSpPr>
+        <p:spPr>
+          <a:xfrm>
+            <a:off x="5477424" y="1971962"/>
+            <a:ext cx="1389975" cy="902423"/>
+          </a:xfrm>
+          <a:prstGeom prst="roundRect">
+            <a:avLst/>
+          </a:prstGeom>
+        </p:spPr>
+        <p:style>
+          <a:lnRef idx="1">
+            <a:schemeClr val="accent1"/>
+          </a:lnRef>
+          <a:fillRef idx="3">
+            <a:schemeClr val="accent1"/>
+          </a:fillRef>
+          <a:effectRef idx="2">
+            <a:schemeClr val="accent1"/>
+          </a:effectRef>
+          <a:fontRef idx="minor">
+            <a:schemeClr val="lt1"/>
+          </a:fontRef>
+        </p:style>
+        <p:txBody>
+          <a:bodyPr rtlCol="0" anchor="ctr"/>
+          <a:lstStyle/>
+          <a:p>
+            <a:pPr algn="ctr"/>
+            <a:r>
+              <a:rPr lang="en-US" dirty="0" smtClean="0"/>
+              <a:t>Huge Data</a:t>
+            </a:r>
+            <a:endParaRPr lang="en-US" dirty="0"/>
+          </a:p>
+        </p:txBody>
+      </p:sp>
+      <p:sp>
+        <p:nvSpPr>
+          <p:cNvPr id="16" name="TextBox 15"/>
+          <p:cNvSpPr txBox="1"/>
+          <p:nvPr/>
+        </p:nvSpPr>
+        <p:spPr>
+          <a:xfrm>
+            <a:off x="4803366" y="5206702"/>
+            <a:ext cx="674058" cy="646331"/>
+          </a:xfrm>
+          <a:prstGeom prst="rect">
+            <a:avLst/>
+          </a:prstGeom>
+          <a:noFill/>
+        </p:spPr>
+        <p:txBody>
+          <a:bodyPr wrap="none" rtlCol="0">
+            <a:spAutoFit/>
+          </a:bodyPr>
+          <a:lstStyle/>
+          <a:p>
+            <a:r>
+              <a:rPr lang="en-US" sz="3600" dirty="0" smtClean="0">
+                <a:sym typeface="Wingdings"/>
+              </a:rPr>
+              <a:t></a:t>
+            </a:r>
+            <a:endParaRPr lang="en-US" dirty="0"/>
+          </a:p>
+        </p:txBody>
+      </p:sp>
+      <p:sp>
+        <p:nvSpPr>
+          <p:cNvPr id="17" name="Rectangle 16"/>
+          <p:cNvSpPr/>
+          <p:nvPr/>
+        </p:nvSpPr>
+        <p:spPr>
+          <a:xfrm>
+            <a:off x="7541457" y="4748075"/>
+            <a:ext cx="1414567" cy="1270078"/>
+          </a:xfrm>
+          <a:prstGeom prst="rect">
+            <a:avLst/>
+          </a:prstGeom>
+        </p:spPr>
+        <p:style>
+          <a:lnRef idx="1">
+            <a:schemeClr val="accent1"/>
+          </a:lnRef>
+          <a:fillRef idx="3">
+            <a:schemeClr val="accent1"/>
+          </a:fillRef>
+          <a:effectRef idx="2">
+            <a:schemeClr val="accent1"/>
+          </a:effectRef>
+          <a:fontRef idx="minor">
+            <a:schemeClr val="lt1"/>
+          </a:fontRef>
+        </p:style>
+        <p:txBody>
+          <a:bodyPr rtlCol="0" anchor="ctr"/>
+          <a:lstStyle/>
+          <a:p>
+            <a:pPr algn="ctr"/>
+            <a:r>
+              <a:rPr lang="en-US" dirty="0" smtClean="0"/>
+              <a:t>Server</a:t>
+            </a:r>
+            <a:endParaRPr lang="en-US" dirty="0"/>
+          </a:p>
+        </p:txBody>
+      </p:sp>
+      <p:sp>
+        <p:nvSpPr>
+          <p:cNvPr id="18" name="Oval 17"/>
+          <p:cNvSpPr/>
+          <p:nvPr/>
+        </p:nvSpPr>
+        <p:spPr>
+          <a:xfrm>
+            <a:off x="2782048" y="5182575"/>
+            <a:ext cx="985831" cy="651750"/>
+          </a:xfrm>
+          <a:prstGeom prst="ellipse">
+            <a:avLst/>
+          </a:prstGeom>
+        </p:spPr>
+        <p:style>
+          <a:lnRef idx="1">
+            <a:schemeClr val="accent1"/>
+          </a:lnRef>
+          <a:fillRef idx="3">
+            <a:schemeClr val="accent1"/>
+          </a:fillRef>
+          <a:effectRef idx="2">
+            <a:schemeClr val="accent1"/>
+          </a:effectRef>
+          <a:fontRef idx="minor">
+            <a:schemeClr val="lt1"/>
+          </a:fontRef>
+        </p:style>
+        <p:txBody>
+          <a:bodyPr rtlCol="0" anchor="ctr"/>
+          <a:lstStyle/>
+          <a:p>
+            <a:pPr algn="ctr"/>
+            <a:r>
+              <a:rPr lang="en-US" dirty="0" smtClean="0"/>
+              <a:t>Data</a:t>
+            </a:r>
+            <a:endParaRPr lang="en-US" dirty="0"/>
+          </a:p>
+        </p:txBody>
+      </p:sp>
+      <p:sp>
+        <p:nvSpPr>
+          <p:cNvPr id="19" name="TextBox 18"/>
+          <p:cNvSpPr txBox="1"/>
+          <p:nvPr/>
+        </p:nvSpPr>
+        <p:spPr>
+          <a:xfrm>
+            <a:off x="4210668" y="5853033"/>
+            <a:ext cx="2033129" cy="369332"/>
+          </a:xfrm>
+          <a:prstGeom prst="rect">
+            <a:avLst/>
+          </a:prstGeom>
+          <a:noFill/>
+        </p:spPr>
+        <p:txBody>
+          <a:bodyPr wrap="none" rtlCol="0">
+            <a:spAutoFit/>
+          </a:bodyPr>
+          <a:lstStyle/>
+          <a:p>
+            <a:r>
+              <a:rPr lang="en-US" dirty="0" smtClean="0"/>
+              <a:t>Sending data as its  	</a:t>
+            </a:r>
+            <a:endParaRPr lang="en-US" dirty="0"/>
+          </a:p>
+        </p:txBody>
+      </p:sp>
+      <p:sp>
+        <p:nvSpPr>
+          <p:cNvPr id="20" name="TextBox 19"/>
+          <p:cNvSpPr txBox="1"/>
+          <p:nvPr/>
+        </p:nvSpPr>
+        <p:spPr>
+          <a:xfrm>
+            <a:off x="6867399" y="2094362"/>
+            <a:ext cx="674058" cy="646331"/>
+          </a:xfrm>
+          <a:prstGeom prst="rect">
+            <a:avLst/>
+          </a:prstGeom>
+          <a:noFill/>
+        </p:spPr>
+        <p:txBody>
+          <a:bodyPr wrap="none" rtlCol="0">
+            <a:spAutoFit/>
+          </a:bodyPr>
+          <a:lstStyle/>
+          <a:p>
+            <a:r>
+              <a:rPr lang="en-US" sz="3600" dirty="0" smtClean="0">
+                <a:sym typeface="Wingdings"/>
+              </a:rPr>
+              <a:t></a:t>
+            </a:r>
+            <a:endParaRPr lang="en-US" dirty="0"/>
+          </a:p>
+        </p:txBody>
+      </p:sp>
+    </p:spTree>
+    <p:extLst>
+      <p:ext uri="{BB962C8B-B14F-4D97-AF65-F5344CB8AC3E}">
+        <p14:creationId xmlns:p14="http://schemas.microsoft.com/office/powerpoint/2010/main" val="1313945112"/>
       </p:ext>
     </p:extLst>
   </p:cSld>
